--- a/Poster.pptx
+++ b/Poster.pptx
@@ -2257,7 +2257,6 @@
             </a:pPr>
             <a:r>
               <a:rPr lang="en-US" sz="3600" dirty="0">
-                <a:latin typeface="Arial" panose="020B0604020202020204" pitchFamily="34" charset="0"/>
                 <a:cs typeface="Arial" panose="020B0604020202020204" pitchFamily="34" charset="0"/>
                 <a:hlinkClick r:id="rId3">
                   <a:extLst>
@@ -2270,7 +2269,6 @@
               <a:t>https://archive.ics.uci.edu/ml/datasets/Student+Performance</a:t>
             </a:r>
             <a:endParaRPr lang="en-US" sz="3600" dirty="0">
-              <a:latin typeface="Arial" panose="020B0604020202020204" pitchFamily="34" charset="0"/>
               <a:cs typeface="Arial" panose="020B0604020202020204" pitchFamily="34" charset="0"/>
             </a:endParaRPr>
           </a:p>
@@ -2287,11 +2285,37 @@
             </a:pPr>
             <a:r>
               <a:rPr lang="en-US" sz="3600" dirty="0">
-                <a:latin typeface="Arial" panose="020B0604020202020204" pitchFamily="34" charset="0"/>
                 <a:cs typeface="Arial" panose="020B0604020202020204" pitchFamily="34" charset="0"/>
               </a:rPr>
               <a:t>https://scikit-learn.org/stable/modules/generated/sklearn.tree.DecisionTreeClassifier.html </a:t>
             </a:r>
+          </a:p>
+          <a:p>
+            <a:pPr marL="457200" indent="-457200">
+              <a:lnSpc>
+                <a:spcPct val="100000"/>
+              </a:lnSpc>
+              <a:spcBef>
+                <a:spcPts val="0"/>
+              </a:spcBef>
+              <a:buFont typeface="Arial" panose="020B0604020202020204" pitchFamily="34" charset="0"/>
+              <a:buChar char="•"/>
+            </a:pPr>
+            <a:r>
+              <a:rPr lang="en-US" sz="3600" dirty="0">
+                <a:hlinkClick r:id="rId4">
+                  <a:extLst>
+                    <a:ext uri="{A12FA001-AC4F-418D-AE19-62706E023703}">
+                      <ahyp:hlinkClr xmlns:ahyp="http://schemas.microsoft.com/office/drawing/2018/hyperlinkcolor" val="tx"/>
+                    </a:ext>
+                  </a:extLst>
+                </a:hlinkClick>
+              </a:rPr>
+              <a:t>https://www.kaggle.com/sultanmkhan/datamining</a:t>
+            </a:r>
+            <a:endParaRPr lang="en-US" sz="3600" dirty="0">
+              <a:cs typeface="Arial" panose="020B0604020202020204" pitchFamily="34" charset="0"/>
+            </a:endParaRPr>
           </a:p>
           <a:p>
             <a:pPr>
@@ -2304,12 +2328,10 @@
             </a:pPr>
             <a:br>
               <a:rPr lang="en-US" sz="3600" dirty="0">
-                <a:latin typeface="Arial" panose="020B0604020202020204" pitchFamily="34" charset="0"/>
                 <a:cs typeface="Arial" panose="020B0604020202020204" pitchFamily="34" charset="0"/>
               </a:rPr>
             </a:br>
             <a:endParaRPr lang="en-US" sz="3600" dirty="0">
-              <a:latin typeface="Arial" panose="020B0604020202020204" pitchFamily="34" charset="0"/>
               <a:cs typeface="Arial" panose="020B0604020202020204" pitchFamily="34" charset="0"/>
             </a:endParaRPr>
           </a:p>
@@ -2400,19 +2422,24 @@
             <p:ph type="body" sz="quarter" idx="20"/>
           </p:nvPr>
         </p:nvSpPr>
-        <p:spPr/>
+        <p:spPr>
+          <a:xfrm>
+            <a:off x="32918400" y="29173160"/>
+            <a:ext cx="10058400" cy="2971800"/>
+          </a:xfrm>
+        </p:spPr>
         <p:txBody>
           <a:bodyPr tIns="91440" bIns="274320" anchor="b" anchorCtr="0">
-            <a:normAutofit fontScale="77500" lnSpcReduction="20000"/>
+            <a:normAutofit/>
           </a:bodyPr>
           <a:lstStyle/>
           <a:p>
             <a:pPr algn="ctr"/>
             <a:r>
               <a:rPr lang="en-US" sz="6000" dirty="0">
-                <a:hlinkClick r:id="rId4"/>
-              </a:rPr>
-              <a:t>https://github.com/44-599-MachineLearning-F19/machine-learning-f19-final-project-Abhinaykaitha/blob/master/Poster.pptx</a:t>
+                <a:hlinkClick r:id="rId5"/>
+              </a:rPr>
+              <a:t>https://github.com/Abhinaykaitha/MLPoster</a:t>
             </a:r>
             <a:endParaRPr lang="en-US" sz="6000" dirty="0"/>
           </a:p>
@@ -2533,7 +2560,7 @@
         </p:nvSpPr>
         <p:spPr>
           <a:xfrm>
-            <a:off x="4946904" y="4360408"/>
+            <a:off x="4946904" y="3971187"/>
             <a:ext cx="33997392" cy="914400"/>
           </a:xfrm>
         </p:spPr>
@@ -2544,7 +2571,7 @@
           <a:lstStyle/>
           <a:p>
             <a:r>
-              <a:rPr lang="en-US" sz="5600" dirty="0">
+              <a:rPr lang="en-US" dirty="0">
                 <a:solidFill>
                   <a:schemeClr val="tx1"/>
                 </a:solidFill>
@@ -2607,7 +2634,7 @@
         </p:nvSpPr>
         <p:spPr>
           <a:xfrm>
-            <a:off x="11887200" y="15897200"/>
+            <a:off x="11887200" y="15246387"/>
             <a:ext cx="19184586" cy="1369606"/>
           </a:xfrm>
           <a:prstGeom prst="rect">
@@ -2644,42 +2671,6 @@
             <a:extLst>
               <a:ext uri="{FF2B5EF4-FFF2-40B4-BE49-F238E27FC236}">
                 <a16:creationId xmlns:a16="http://schemas.microsoft.com/office/drawing/2014/main" id="{E256C4ED-A409-4714-BD55-3D8365913814}"/>
-              </a:ext>
-            </a:extLst>
-          </p:cNvPr>
-          <p:cNvPicPr>
-            <a:picLocks noChangeAspect="1"/>
-          </p:cNvPicPr>
-          <p:nvPr/>
-        </p:nvPicPr>
-        <p:blipFill>
-          <a:blip r:embed="rId5">
-            <a:extLst>
-              <a:ext uri="{28A0092B-C50C-407E-A947-70E740481C1C}">
-                <a14:useLocalDpi xmlns:a14="http://schemas.microsoft.com/office/drawing/2010/main" val="0"/>
-              </a:ext>
-            </a:extLst>
-          </a:blip>
-          <a:stretch>
-            <a:fillRect/>
-          </a:stretch>
-        </p:blipFill>
-        <p:spPr>
-          <a:xfrm>
-            <a:off x="35625106" y="28194989"/>
-            <a:ext cx="4644988" cy="1904446"/>
-          </a:xfrm>
-          <a:prstGeom prst="rect">
-            <a:avLst/>
-          </a:prstGeom>
-        </p:spPr>
-      </p:pic>
-      <p:pic>
-        <p:nvPicPr>
-          <p:cNvPr id="22" name="Picture 21" descr="A picture containing drawing&#10;&#10;Description automatically generated">
-            <a:extLst>
-              <a:ext uri="{FF2B5EF4-FFF2-40B4-BE49-F238E27FC236}">
-                <a16:creationId xmlns:a16="http://schemas.microsoft.com/office/drawing/2014/main" id="{FA2EE79C-5A2A-4A52-934D-368782FAAAFB}"/>
               </a:ext>
             </a:extLst>
           </p:cNvPr>
@@ -2702,8 +2693,8 @@
         </p:blipFill>
         <p:spPr>
           <a:xfrm>
-            <a:off x="512065" y="512064"/>
-            <a:ext cx="3922776" cy="4212723"/>
+            <a:off x="35625106" y="28754614"/>
+            <a:ext cx="4644988" cy="1904446"/>
           </a:xfrm>
           <a:prstGeom prst="rect">
             <a:avLst/>
@@ -2712,10 +2703,10 @@
       </p:pic>
       <p:pic>
         <p:nvPicPr>
-          <p:cNvPr id="21" name="Picture 20" descr="A close up of a map&#10;&#10;Description automatically generated">
-            <a:extLst>
-              <a:ext uri="{FF2B5EF4-FFF2-40B4-BE49-F238E27FC236}">
-                <a16:creationId xmlns:a16="http://schemas.microsoft.com/office/drawing/2014/main" id="{5D3EEA5A-2916-406B-AEFF-DBC30144F604}"/>
+          <p:cNvPr id="22" name="Picture 21" descr="A picture containing drawing&#10;&#10;Description automatically generated">
+            <a:extLst>
+              <a:ext uri="{FF2B5EF4-FFF2-40B4-BE49-F238E27FC236}">
+                <a16:creationId xmlns:a16="http://schemas.microsoft.com/office/drawing/2014/main" id="{FA2EE79C-5A2A-4A52-934D-368782FAAAFB}"/>
               </a:ext>
             </a:extLst>
           </p:cNvPr>
@@ -2738,8 +2729,8 @@
         </p:blipFill>
         <p:spPr>
           <a:xfrm>
-            <a:off x="11970328" y="8246609"/>
-            <a:ext cx="20033672" cy="6697378"/>
+            <a:off x="512065" y="512064"/>
+            <a:ext cx="3922776" cy="4212723"/>
           </a:xfrm>
           <a:prstGeom prst="rect">
             <a:avLst/>
@@ -2748,10 +2739,10 @@
       </p:pic>
       <p:pic>
         <p:nvPicPr>
-          <p:cNvPr id="33" name="Picture 32" descr="A close up of a piece of paper&#10;&#10;Description automatically generated">
-            <a:extLst>
-              <a:ext uri="{FF2B5EF4-FFF2-40B4-BE49-F238E27FC236}">
-                <a16:creationId xmlns:a16="http://schemas.microsoft.com/office/drawing/2014/main" id="{3DB2AE54-9A72-4BF5-901B-A01CD5A3AC82}"/>
+          <p:cNvPr id="21" name="Picture 20" descr="A close up of a map&#10;&#10;Description automatically generated">
+            <a:extLst>
+              <a:ext uri="{FF2B5EF4-FFF2-40B4-BE49-F238E27FC236}">
+                <a16:creationId xmlns:a16="http://schemas.microsoft.com/office/drawing/2014/main" id="{5D3EEA5A-2916-406B-AEFF-DBC30144F604}"/>
               </a:ext>
             </a:extLst>
           </p:cNvPr>
@@ -2774,58 +2765,20 @@
         </p:blipFill>
         <p:spPr>
           <a:xfrm>
-            <a:off x="11775266" y="17974413"/>
-            <a:ext cx="9518072" cy="6570774"/>
+            <a:off x="11970328" y="8246609"/>
+            <a:ext cx="20033672" cy="6697378"/>
           </a:xfrm>
           <a:prstGeom prst="rect">
             <a:avLst/>
           </a:prstGeom>
         </p:spPr>
       </p:pic>
-      <p:sp>
-        <p:nvSpPr>
-          <p:cNvPr id="35" name="TextBox 34">
-            <a:extLst>
-              <a:ext uri="{FF2B5EF4-FFF2-40B4-BE49-F238E27FC236}">
-                <a16:creationId xmlns:a16="http://schemas.microsoft.com/office/drawing/2014/main" id="{CAD4893E-6F31-4BC1-A359-2538395545CA}"/>
-              </a:ext>
-            </a:extLst>
-          </p:cNvPr>
-          <p:cNvSpPr txBox="1"/>
-          <p:nvPr/>
-        </p:nvSpPr>
-        <p:spPr>
-          <a:xfrm>
-            <a:off x="12120336" y="24932121"/>
-            <a:ext cx="8548888" cy="2062103"/>
-          </a:xfrm>
-          <a:prstGeom prst="rect">
-            <a:avLst/>
-          </a:prstGeom>
-          <a:noFill/>
-        </p:spPr>
-        <p:txBody>
-          <a:bodyPr wrap="square" rtlCol="0">
-            <a:spAutoFit/>
-          </a:bodyPr>
-          <a:lstStyle/>
-          <a:p>
-            <a:pPr algn="just"/>
-            <a:r>
-              <a:rPr lang="en-US" sz="3200" dirty="0">
-                <a:cs typeface="Arial" panose="020B0604020202020204" pitchFamily="34" charset="0"/>
-              </a:rPr>
-              <a:t>Based on the clustering I would say that the student gets higher grade whose G1(first subject grade) is closer to the top of the centroid of the top cluster rather than the bottom cluster </a:t>
-            </a:r>
-          </a:p>
-        </p:txBody>
-      </p:sp>
       <p:pic>
         <p:nvPicPr>
-          <p:cNvPr id="39" name="Picture 38" descr="A screenshot of a cell phone&#10;&#10;Description automatically generated">
-            <a:extLst>
-              <a:ext uri="{FF2B5EF4-FFF2-40B4-BE49-F238E27FC236}">
-                <a16:creationId xmlns:a16="http://schemas.microsoft.com/office/drawing/2014/main" id="{EC53E16D-746E-4647-B83F-CAE16F61F2F3}"/>
+          <p:cNvPr id="33" name="Picture 32" descr="A close up of a piece of paper&#10;&#10;Description automatically generated">
+            <a:extLst>
+              <a:ext uri="{FF2B5EF4-FFF2-40B4-BE49-F238E27FC236}">
+                <a16:creationId xmlns:a16="http://schemas.microsoft.com/office/drawing/2014/main" id="{3DB2AE54-9A72-4BF5-901B-A01CD5A3AC82}"/>
               </a:ext>
             </a:extLst>
           </p:cNvPr>
@@ -2848,8 +2801,8 @@
         </p:blipFill>
         <p:spPr>
           <a:xfrm>
-            <a:off x="22046542" y="17974413"/>
-            <a:ext cx="9025244" cy="6570774"/>
+            <a:off x="11887200" y="16648650"/>
+            <a:ext cx="9518072" cy="6570774"/>
           </a:xfrm>
           <a:prstGeom prst="rect">
             <a:avLst/>
@@ -2858,10 +2811,10 @@
       </p:pic>
       <p:sp>
         <p:nvSpPr>
-          <p:cNvPr id="40" name="TextBox 39">
-            <a:extLst>
-              <a:ext uri="{FF2B5EF4-FFF2-40B4-BE49-F238E27FC236}">
-                <a16:creationId xmlns:a16="http://schemas.microsoft.com/office/drawing/2014/main" id="{5608D1F4-BC31-43FE-A417-91F86A0F5016}"/>
+          <p:cNvPr id="35" name="TextBox 34">
+            <a:extLst>
+              <a:ext uri="{FF2B5EF4-FFF2-40B4-BE49-F238E27FC236}">
+                <a16:creationId xmlns:a16="http://schemas.microsoft.com/office/drawing/2014/main" id="{CAD4893E-6F31-4BC1-A359-2538395545CA}"/>
               </a:ext>
             </a:extLst>
           </p:cNvPr>
@@ -2870,8 +2823,8 @@
         </p:nvSpPr>
         <p:spPr>
           <a:xfrm>
-            <a:off x="22046542" y="24961906"/>
-            <a:ext cx="9025244" cy="1569660"/>
+            <a:off x="11887200" y="23705551"/>
+            <a:ext cx="9518072" cy="3170099"/>
           </a:xfrm>
           <a:prstGeom prst="rect">
             <a:avLst/>
@@ -2884,21 +2837,22 @@
           </a:bodyPr>
           <a:lstStyle/>
           <a:p>
-            <a:r>
-              <a:rPr lang="en-US" sz="3200" dirty="0">
+            <a:pPr algn="just"/>
+            <a:r>
+              <a:rPr lang="en-US" sz="4000" dirty="0">
                 <a:cs typeface="Arial" panose="020B0604020202020204" pitchFamily="34" charset="0"/>
               </a:rPr>
-              <a:t>From the above graph it is clear that the student who gets a grade greater than 15 have a higher chance of getting a grade higher than 15  </a:t>
+              <a:t>Based on the clustering I would say that the student gets higher grade whose G1(first subject grade) is closer to the top of the centroid of the top cluster rather than the bottom cluster </a:t>
             </a:r>
           </a:p>
         </p:txBody>
       </p:sp>
       <p:pic>
         <p:nvPicPr>
-          <p:cNvPr id="23" name="Picture 22" descr="A drawing of a person&#10;&#10;Description automatically generated">
-            <a:extLst>
-              <a:ext uri="{FF2B5EF4-FFF2-40B4-BE49-F238E27FC236}">
-                <a16:creationId xmlns:a16="http://schemas.microsoft.com/office/drawing/2014/main" id="{0DB328E9-5F38-4A98-800F-E6218BF7AF41}"/>
+          <p:cNvPr id="39" name="Picture 38" descr="A screenshot of a cell phone&#10;&#10;Description automatically generated">
+            <a:extLst>
+              <a:ext uri="{FF2B5EF4-FFF2-40B4-BE49-F238E27FC236}">
+                <a16:creationId xmlns:a16="http://schemas.microsoft.com/office/drawing/2014/main" id="{EC53E16D-746E-4647-B83F-CAE16F61F2F3}"/>
               </a:ext>
             </a:extLst>
           </p:cNvPr>
@@ -2909,6 +2863,80 @@
         </p:nvPicPr>
         <p:blipFill>
           <a:blip r:embed="rId10">
+            <a:extLst>
+              <a:ext uri="{28A0092B-C50C-407E-A947-70E740481C1C}">
+                <a14:useLocalDpi xmlns:a14="http://schemas.microsoft.com/office/drawing/2010/main" val="0"/>
+              </a:ext>
+            </a:extLst>
+          </a:blip>
+          <a:stretch>
+            <a:fillRect/>
+          </a:stretch>
+        </p:blipFill>
+        <p:spPr>
+          <a:xfrm>
+            <a:off x="21987164" y="16752434"/>
+            <a:ext cx="9025244" cy="6570774"/>
+          </a:xfrm>
+          <a:prstGeom prst="rect">
+            <a:avLst/>
+          </a:prstGeom>
+        </p:spPr>
+      </p:pic>
+      <p:sp>
+        <p:nvSpPr>
+          <p:cNvPr id="40" name="TextBox 39">
+            <a:extLst>
+              <a:ext uri="{FF2B5EF4-FFF2-40B4-BE49-F238E27FC236}">
+                <a16:creationId xmlns:a16="http://schemas.microsoft.com/office/drawing/2014/main" id="{5608D1F4-BC31-43FE-A417-91F86A0F5016}"/>
+              </a:ext>
+            </a:extLst>
+          </p:cNvPr>
+          <p:cNvSpPr txBox="1"/>
+          <p:nvPr/>
+        </p:nvSpPr>
+        <p:spPr>
+          <a:xfrm>
+            <a:off x="21987164" y="23839612"/>
+            <a:ext cx="9518072" cy="1938992"/>
+          </a:xfrm>
+          <a:prstGeom prst="rect">
+            <a:avLst/>
+          </a:prstGeom>
+          <a:noFill/>
+        </p:spPr>
+        <p:txBody>
+          <a:bodyPr wrap="square" rtlCol="0">
+            <a:spAutoFit/>
+          </a:bodyPr>
+          <a:lstStyle/>
+          <a:p>
+            <a:pPr algn="just"/>
+            <a:r>
+              <a:rPr lang="en-US" sz="4000" dirty="0">
+                <a:cs typeface="Arial" panose="020B0604020202020204" pitchFamily="34" charset="0"/>
+              </a:rPr>
+              <a:t>From the above graph it is clear that the student who gets a grade greater than 15 have a higher chance of getting a grade higher than 15  </a:t>
+            </a:r>
+          </a:p>
+        </p:txBody>
+      </p:sp>
+      <p:pic>
+        <p:nvPicPr>
+          <p:cNvPr id="23" name="Picture 22" descr="A drawing of a person&#10;&#10;Description automatically generated">
+            <a:extLst>
+              <a:ext uri="{FF2B5EF4-FFF2-40B4-BE49-F238E27FC236}">
+                <a16:creationId xmlns:a16="http://schemas.microsoft.com/office/drawing/2014/main" id="{0DB328E9-5F38-4A98-800F-E6218BF7AF41}"/>
+              </a:ext>
+            </a:extLst>
+          </p:cNvPr>
+          <p:cNvPicPr>
+            <a:picLocks noChangeAspect="1"/>
+          </p:cNvPicPr>
+          <p:nvPr/>
+        </p:nvPicPr>
+        <p:blipFill>
+          <a:blip r:embed="rId11">
             <a:extLst>
               <a:ext uri="{28A0092B-C50C-407E-A947-70E740481C1C}">
                 <a14:useLocalDpi xmlns:a14="http://schemas.microsoft.com/office/drawing/2010/main" val="0"/>

--- a/Poster.pptx
+++ b/Poster.pptx
@@ -1386,7 +1386,7 @@
           <a:p>
             <a:fld id="{E695B7AD-C0E4-4106-98F1-A426950388A1}" type="datetimeFigureOut">
               <a:rPr lang="en-US" smtClean="0"/>
-              <a:t>12/3/2019</a:t>
+              <a:t>12/4/2019</a:t>
             </a:fld>
             <a:endParaRPr lang="en-US"/>
           </a:p>
@@ -2560,7 +2560,7 @@
         </p:nvSpPr>
         <p:spPr>
           <a:xfrm>
-            <a:off x="4946904" y="3971187"/>
+            <a:off x="4946904" y="2421372"/>
             <a:ext cx="33997392" cy="914400"/>
           </a:xfrm>
         </p:spPr>
@@ -2571,7 +2571,7 @@
           <a:lstStyle/>
           <a:p>
             <a:r>
-              <a:rPr lang="en-US" dirty="0">
+              <a:rPr lang="en-US" sz="8000" dirty="0">
                 <a:solidFill>
                   <a:schemeClr val="tx1"/>
                 </a:solidFill>
@@ -2599,7 +2599,7 @@
         </p:nvSpPr>
         <p:spPr>
           <a:xfrm>
-            <a:off x="4946904" y="2370987"/>
+            <a:off x="4946904" y="4000499"/>
             <a:ext cx="33997392" cy="914400"/>
           </a:xfrm>
         </p:spPr>
